--- a/wrktmr015.pptx
+++ b/wrktmr015.pptx
@@ -267,7 +267,7 @@
           <a:p>
             <a:fld id="{D30A882F-64EC-4A8F-AC18-A803B279148B}" type="datetimeFigureOut">
               <a:rPr lang="ru-RU" smtClean="0"/>
-              <a:t>11.08.2025</a:t>
+              <a:t>14.08.2025</a:t>
             </a:fld>
             <a:endParaRPr lang="ru-RU"/>
           </a:p>
@@ -465,7 +465,7 @@
           <a:p>
             <a:fld id="{D30A882F-64EC-4A8F-AC18-A803B279148B}" type="datetimeFigureOut">
               <a:rPr lang="ru-RU" smtClean="0"/>
-              <a:t>11.08.2025</a:t>
+              <a:t>14.08.2025</a:t>
             </a:fld>
             <a:endParaRPr lang="ru-RU"/>
           </a:p>
@@ -673,7 +673,7 @@
           <a:p>
             <a:fld id="{D30A882F-64EC-4A8F-AC18-A803B279148B}" type="datetimeFigureOut">
               <a:rPr lang="ru-RU" smtClean="0"/>
-              <a:t>11.08.2025</a:t>
+              <a:t>14.08.2025</a:t>
             </a:fld>
             <a:endParaRPr lang="ru-RU"/>
           </a:p>
@@ -871,7 +871,7 @@
           <a:p>
             <a:fld id="{D30A882F-64EC-4A8F-AC18-A803B279148B}" type="datetimeFigureOut">
               <a:rPr lang="ru-RU" smtClean="0"/>
-              <a:t>11.08.2025</a:t>
+              <a:t>14.08.2025</a:t>
             </a:fld>
             <a:endParaRPr lang="ru-RU"/>
           </a:p>
@@ -1146,7 +1146,7 @@
           <a:p>
             <a:fld id="{D30A882F-64EC-4A8F-AC18-A803B279148B}" type="datetimeFigureOut">
               <a:rPr lang="ru-RU" smtClean="0"/>
-              <a:t>11.08.2025</a:t>
+              <a:t>14.08.2025</a:t>
             </a:fld>
             <a:endParaRPr lang="ru-RU"/>
           </a:p>
@@ -1411,7 +1411,7 @@
           <a:p>
             <a:fld id="{D30A882F-64EC-4A8F-AC18-A803B279148B}" type="datetimeFigureOut">
               <a:rPr lang="ru-RU" smtClean="0"/>
-              <a:t>11.08.2025</a:t>
+              <a:t>14.08.2025</a:t>
             </a:fld>
             <a:endParaRPr lang="ru-RU"/>
           </a:p>
@@ -1823,7 +1823,7 @@
           <a:p>
             <a:fld id="{D30A882F-64EC-4A8F-AC18-A803B279148B}" type="datetimeFigureOut">
               <a:rPr lang="ru-RU" smtClean="0"/>
-              <a:t>11.08.2025</a:t>
+              <a:t>14.08.2025</a:t>
             </a:fld>
             <a:endParaRPr lang="ru-RU"/>
           </a:p>
@@ -1964,7 +1964,7 @@
           <a:p>
             <a:fld id="{D30A882F-64EC-4A8F-AC18-A803B279148B}" type="datetimeFigureOut">
               <a:rPr lang="ru-RU" smtClean="0"/>
-              <a:t>11.08.2025</a:t>
+              <a:t>14.08.2025</a:t>
             </a:fld>
             <a:endParaRPr lang="ru-RU"/>
           </a:p>
@@ -2077,7 +2077,7 @@
           <a:p>
             <a:fld id="{D30A882F-64EC-4A8F-AC18-A803B279148B}" type="datetimeFigureOut">
               <a:rPr lang="ru-RU" smtClean="0"/>
-              <a:t>11.08.2025</a:t>
+              <a:t>14.08.2025</a:t>
             </a:fld>
             <a:endParaRPr lang="ru-RU"/>
           </a:p>
@@ -2388,7 +2388,7 @@
           <a:p>
             <a:fld id="{D30A882F-64EC-4A8F-AC18-A803B279148B}" type="datetimeFigureOut">
               <a:rPr lang="ru-RU" smtClean="0"/>
-              <a:t>11.08.2025</a:t>
+              <a:t>14.08.2025</a:t>
             </a:fld>
             <a:endParaRPr lang="ru-RU"/>
           </a:p>
@@ -2676,7 +2676,7 @@
           <a:p>
             <a:fld id="{D30A882F-64EC-4A8F-AC18-A803B279148B}" type="datetimeFigureOut">
               <a:rPr lang="ru-RU" smtClean="0"/>
-              <a:t>11.08.2025</a:t>
+              <a:t>14.08.2025</a:t>
             </a:fld>
             <a:endParaRPr lang="ru-RU"/>
           </a:p>
@@ -2917,7 +2917,7 @@
           <a:p>
             <a:fld id="{D30A882F-64EC-4A8F-AC18-A803B279148B}" type="datetimeFigureOut">
               <a:rPr lang="ru-RU" smtClean="0"/>
-              <a:t>11.08.2025</a:t>
+              <a:t>14.08.2025</a:t>
             </a:fld>
             <a:endParaRPr lang="ru-RU"/>
           </a:p>
@@ -3483,7 +3483,7 @@
                 <a:latin typeface="Courier New" panose="02070309020205020404" pitchFamily="49" charset="0"/>
                 <a:cs typeface="Courier New" panose="02070309020205020404" pitchFamily="49" charset="0"/>
               </a:rPr>
-              <a:t>Версия 0.1.4</a:t>
+              <a:t>Версия 0.1.5</a:t>
             </a:r>
           </a:p>
         </p:txBody>
@@ -5483,8 +5483,8 @@
         </p:nvSpPr>
         <p:spPr>
           <a:xfrm>
-            <a:off x="1405250" y="2699279"/>
-            <a:ext cx="10002977" cy="729721"/>
+            <a:off x="1455914" y="2699279"/>
+            <a:ext cx="9280167" cy="729721"/>
           </a:xfrm>
         </p:spPr>
         <p:txBody>
@@ -5493,7 +5493,6 @@
           </a:bodyPr>
           <a:lstStyle/>
           <a:p>
-            <a:pPr algn="l"/>
             <a:r>
               <a:rPr lang="en-US" sz="3200" dirty="0">
                 <a:solidFill>
@@ -5530,7 +5529,7 @@
         </p:nvSpPr>
         <p:spPr>
           <a:xfrm>
-            <a:off x="2287585" y="1267619"/>
+            <a:off x="2287582" y="1267619"/>
             <a:ext cx="7616829" cy="975359"/>
           </a:xfrm>
           <a:prstGeom prst="rect">
@@ -5706,7 +5705,6 @@
             </a:lvl9pPr>
           </a:lstStyle>
           <a:p>
-            <a:pPr algn="l"/>
             <a:r>
               <a:rPr lang="ru-RU" sz="4400" dirty="0">
                 <a:solidFill>
